--- a/2012182037 정재훈 2차발표자료.pptx
+++ b/2012182037 정재훈 2차발표자료.pptx
@@ -3196,24 +3196,7 @@
                 <a:latin typeface="08서울한강체 L" pitchFamily="18" charset="-127"/>
                 <a:ea typeface="08서울한강체 L" pitchFamily="18" charset="-127"/>
               </a:rPr>
-              <a:t>차 </a:t>
-            </a:r>
-            <a:r>
-              <a:rPr lang="ko-KR" altLang="en-US" sz="3000" dirty="0" smtClean="0">
-                <a:ln>
-                  <a:solidFill>
-                    <a:srgbClr val="E6005D">
-                      <a:alpha val="25000"/>
-                    </a:srgbClr>
-                  </a:solidFill>
-                </a:ln>
-                <a:solidFill>
-                  <a:srgbClr val="E6005D"/>
-                </a:solidFill>
-                <a:latin typeface="08서울한강체 L" pitchFamily="18" charset="-127"/>
-                <a:ea typeface="08서울한강체 L" pitchFamily="18" charset="-127"/>
-              </a:rPr>
-              <a:t>발표 자료</a:t>
+              <a:t>차 발표 자료</a:t>
             </a:r>
             <a:endParaRPr lang="ko-KR" altLang="en-US" sz="3000" dirty="0">
               <a:ln>
@@ -4373,24 +4356,7 @@
                 <a:latin typeface="08서울한강체 M" pitchFamily="18" charset="-127"/>
                 <a:ea typeface="08서울한강체 M" pitchFamily="18" charset="-127"/>
               </a:rPr>
-              <a:t>Git</a:t>
-            </a:r>
-            <a:r>
-              <a:rPr lang="en-US" altLang="ko-KR" sz="2500" dirty="0" err="1" smtClean="0">
-                <a:ln>
-                  <a:solidFill>
-                    <a:srgbClr val="E6005D">
-                      <a:alpha val="25000"/>
-                    </a:srgbClr>
-                  </a:solidFill>
-                </a:ln>
-                <a:solidFill>
-                  <a:srgbClr val="E6005D"/>
-                </a:solidFill>
-                <a:latin typeface="08서울한강체 M" pitchFamily="18" charset="-127"/>
-                <a:ea typeface="08서울한강체 M" pitchFamily="18" charset="-127"/>
-              </a:rPr>
-              <a:t>Hub</a:t>
+              <a:t>GitHub</a:t>
             </a:r>
             <a:r>
               <a:rPr lang="en-US" altLang="ko-KR" sz="2500" dirty="0" smtClean="0">
@@ -4409,20 +4375,6 @@
               </a:rPr>
               <a:t> Commit</a:t>
             </a:r>
-            <a:endParaRPr lang="en-US" altLang="ko-KR" sz="2500" dirty="0" smtClean="0">
-              <a:ln>
-                <a:solidFill>
-                  <a:srgbClr val="E6005D">
-                    <a:alpha val="25000"/>
-                  </a:srgbClr>
-                </a:solidFill>
-              </a:ln>
-              <a:solidFill>
-                <a:srgbClr val="E6005D"/>
-              </a:solidFill>
-              <a:latin typeface="08서울한강체 M" pitchFamily="18" charset="-127"/>
-              <a:ea typeface="08서울한강체 M" pitchFamily="18" charset="-127"/>
-            </a:endParaRPr>
           </a:p>
         </p:txBody>
       </p:sp>
@@ -6083,7 +6035,7 @@
           <p:nvPr>
             <p:extLst>
               <p:ext uri="{D42A27DB-BD31-4B8C-83A1-F6EECF244321}">
-                <p14:modId xmlns:p14="http://schemas.microsoft.com/office/powerpoint/2010/main" xmlns="" val="1524938934"/>
+                <p14:modId xmlns="" xmlns:p14="http://schemas.microsoft.com/office/powerpoint/2010/main" val="1524938934"/>
               </p:ext>
             </p:extLst>
           </p:nvPr>
@@ -7864,7 +7816,7 @@
           <p:nvPr>
             <p:extLst>
               <p:ext uri="{D42A27DB-BD31-4B8C-83A1-F6EECF244321}">
-                <p14:modId xmlns:p14="http://schemas.microsoft.com/office/powerpoint/2010/main" xmlns="" val="1524938934"/>
+                <p14:modId xmlns="" xmlns:p14="http://schemas.microsoft.com/office/powerpoint/2010/main" val="1524938934"/>
               </p:ext>
             </p:extLst>
           </p:nvPr>
@@ -10231,6 +10183,32 @@
           </a:p>
         </p:txBody>
       </p:sp>
+      <p:pic>
+        <p:nvPicPr>
+          <p:cNvPr id="1026" name="Picture 2" descr="C:\Users\OEM\Desktop\캡처.PNG"/>
+          <p:cNvPicPr>
+            <a:picLocks noChangeAspect="1" noChangeArrowheads="1"/>
+          </p:cNvPicPr>
+          <p:nvPr/>
+        </p:nvPicPr>
+        <p:blipFill>
+          <a:blip r:embed="rId2"/>
+          <a:srcRect/>
+          <a:stretch>
+            <a:fillRect/>
+          </a:stretch>
+        </p:blipFill>
+        <p:spPr bwMode="auto">
+          <a:xfrm>
+            <a:off x="785786" y="1214422"/>
+            <a:ext cx="7643866" cy="4791075"/>
+          </a:xfrm>
+          <a:prstGeom prst="rect">
+            <a:avLst/>
+          </a:prstGeom>
+          <a:noFill/>
+        </p:spPr>
+      </p:pic>
     </p:spTree>
   </p:cSld>
   <p:clrMapOvr>
@@ -10332,7 +10310,7 @@
           <p:nvPr>
             <p:extLst>
               <p:ext uri="{D42A27DB-BD31-4B8C-83A1-F6EECF244321}">
-                <p14:modId xmlns:p14="http://schemas.microsoft.com/office/powerpoint/2010/main" xmlns="" val="136084941"/>
+                <p14:modId xmlns="" xmlns:p14="http://schemas.microsoft.com/office/powerpoint/2010/main" val="136084941"/>
               </p:ext>
             </p:extLst>
           </p:nvPr>

--- a/2012182037 정재훈 2차발표자료.pptx
+++ b/2012182037 정재훈 2차발표자료.pptx
@@ -295,7 +295,7 @@
             <a:fld id="{CEBAC388-C57E-4A7D-AC48-2219DAC6106E}" type="datetimeFigureOut">
               <a:rPr lang="ko-KR" altLang="en-US" smtClean="0"/>
               <a:pPr/>
-              <a:t>2015-10-27</a:t>
+              <a:t>2015-12-15</a:t>
             </a:fld>
             <a:endParaRPr lang="ko-KR" altLang="en-US"/>
           </a:p>
@@ -462,7 +462,7 @@
             <a:fld id="{CEBAC388-C57E-4A7D-AC48-2219DAC6106E}" type="datetimeFigureOut">
               <a:rPr lang="ko-KR" altLang="en-US" smtClean="0"/>
               <a:pPr/>
-              <a:t>2015-10-27</a:t>
+              <a:t>2015-12-15</a:t>
             </a:fld>
             <a:endParaRPr lang="ko-KR" altLang="en-US"/>
           </a:p>
@@ -639,7 +639,7 @@
             <a:fld id="{CEBAC388-C57E-4A7D-AC48-2219DAC6106E}" type="datetimeFigureOut">
               <a:rPr lang="ko-KR" altLang="en-US" smtClean="0"/>
               <a:pPr/>
-              <a:t>2015-10-27</a:t>
+              <a:t>2015-12-15</a:t>
             </a:fld>
             <a:endParaRPr lang="ko-KR" altLang="en-US"/>
           </a:p>
@@ -806,7 +806,7 @@
             <a:fld id="{CEBAC388-C57E-4A7D-AC48-2219DAC6106E}" type="datetimeFigureOut">
               <a:rPr lang="ko-KR" altLang="en-US" smtClean="0"/>
               <a:pPr/>
-              <a:t>2015-10-27</a:t>
+              <a:t>2015-12-15</a:t>
             </a:fld>
             <a:endParaRPr lang="ko-KR" altLang="en-US"/>
           </a:p>
@@ -1049,7 +1049,7 @@
             <a:fld id="{CEBAC388-C57E-4A7D-AC48-2219DAC6106E}" type="datetimeFigureOut">
               <a:rPr lang="ko-KR" altLang="en-US" smtClean="0"/>
               <a:pPr/>
-              <a:t>2015-10-27</a:t>
+              <a:t>2015-12-15</a:t>
             </a:fld>
             <a:endParaRPr lang="ko-KR" altLang="en-US"/>
           </a:p>
@@ -1334,7 +1334,7 @@
             <a:fld id="{CEBAC388-C57E-4A7D-AC48-2219DAC6106E}" type="datetimeFigureOut">
               <a:rPr lang="ko-KR" altLang="en-US" smtClean="0"/>
               <a:pPr/>
-              <a:t>2015-10-27</a:t>
+              <a:t>2015-12-15</a:t>
             </a:fld>
             <a:endParaRPr lang="ko-KR" altLang="en-US"/>
           </a:p>
@@ -1753,7 +1753,7 @@
             <a:fld id="{CEBAC388-C57E-4A7D-AC48-2219DAC6106E}" type="datetimeFigureOut">
               <a:rPr lang="ko-KR" altLang="en-US" smtClean="0"/>
               <a:pPr/>
-              <a:t>2015-10-27</a:t>
+              <a:t>2015-12-15</a:t>
             </a:fld>
             <a:endParaRPr lang="ko-KR" altLang="en-US"/>
           </a:p>
@@ -1868,7 +1868,7 @@
             <a:fld id="{CEBAC388-C57E-4A7D-AC48-2219DAC6106E}" type="datetimeFigureOut">
               <a:rPr lang="ko-KR" altLang="en-US" smtClean="0"/>
               <a:pPr/>
-              <a:t>2015-10-27</a:t>
+              <a:t>2015-12-15</a:t>
             </a:fld>
             <a:endParaRPr lang="ko-KR" altLang="en-US"/>
           </a:p>
@@ -1960,7 +1960,7 @@
             <a:fld id="{CEBAC388-C57E-4A7D-AC48-2219DAC6106E}" type="datetimeFigureOut">
               <a:rPr lang="ko-KR" altLang="en-US" smtClean="0"/>
               <a:pPr/>
-              <a:t>2015-10-27</a:t>
+              <a:t>2015-12-15</a:t>
             </a:fld>
             <a:endParaRPr lang="ko-KR" altLang="en-US"/>
           </a:p>
@@ -2234,7 +2234,7 @@
             <a:fld id="{CEBAC388-C57E-4A7D-AC48-2219DAC6106E}" type="datetimeFigureOut">
               <a:rPr lang="ko-KR" altLang="en-US" smtClean="0"/>
               <a:pPr/>
-              <a:t>2015-10-27</a:t>
+              <a:t>2015-12-15</a:t>
             </a:fld>
             <a:endParaRPr lang="ko-KR" altLang="en-US"/>
           </a:p>
@@ -2484,7 +2484,7 @@
             <a:fld id="{CEBAC388-C57E-4A7D-AC48-2219DAC6106E}" type="datetimeFigureOut">
               <a:rPr lang="ko-KR" altLang="en-US" smtClean="0"/>
               <a:pPr/>
-              <a:t>2015-10-27</a:t>
+              <a:t>2015-12-15</a:t>
             </a:fld>
             <a:endParaRPr lang="ko-KR" altLang="en-US"/>
           </a:p>
@@ -2694,7 +2694,7 @@
             <a:fld id="{CEBAC388-C57E-4A7D-AC48-2219DAC6106E}" type="datetimeFigureOut">
               <a:rPr lang="ko-KR" altLang="en-US" smtClean="0"/>
               <a:pPr/>
-              <a:t>2015-10-27</a:t>
+              <a:t>2015-12-15</a:t>
             </a:fld>
             <a:endParaRPr lang="ko-KR" altLang="en-US"/>
           </a:p>
@@ -5531,63 +5531,6 @@
           </a:fontRef>
         </p:style>
       </p:cxnSp>
-      <p:sp>
-        <p:nvSpPr>
-          <p:cNvPr id="8" name="TextBox 7"/>
-          <p:cNvSpPr txBox="1"/>
-          <p:nvPr/>
-        </p:nvSpPr>
-        <p:spPr>
-          <a:xfrm>
-            <a:off x="2699792" y="214290"/>
-            <a:ext cx="1851789" cy="553998"/>
-          </a:xfrm>
-          <a:prstGeom prst="rect">
-            <a:avLst/>
-          </a:prstGeom>
-          <a:noFill/>
-          <a:effectLst/>
-        </p:spPr>
-        <p:txBody>
-          <a:bodyPr wrap="none" rtlCol="0">
-            <a:spAutoFit/>
-          </a:bodyPr>
-          <a:lstStyle/>
-          <a:p>
-            <a:r>
-              <a:rPr lang="ko-KR" altLang="en-US" sz="3000" dirty="0" smtClean="0">
-                <a:ln>
-                  <a:solidFill>
-                    <a:srgbClr val="E6005D">
-                      <a:alpha val="25000"/>
-                    </a:srgbClr>
-                  </a:solidFill>
-                </a:ln>
-                <a:solidFill>
-                  <a:srgbClr val="E6005D"/>
-                </a:solidFill>
-                <a:latin typeface="08서울한강체 L" pitchFamily="18" charset="-127"/>
-                <a:ea typeface="08서울한강체 L" pitchFamily="18" charset="-127"/>
-              </a:rPr>
-              <a:t>개발 범위</a:t>
-            </a:r>
-            <a:endParaRPr lang="ko-KR" altLang="en-US" sz="3000" dirty="0">
-              <a:ln>
-                <a:solidFill>
-                  <a:srgbClr val="E6005D">
-                    <a:alpha val="25000"/>
-                  </a:srgbClr>
-                </a:solidFill>
-              </a:ln>
-              <a:solidFill>
-                <a:srgbClr val="E6005D"/>
-              </a:solidFill>
-              <a:latin typeface="08서울한강체 L" pitchFamily="18" charset="-127"/>
-              <a:ea typeface="08서울한강체 L" pitchFamily="18" charset="-127"/>
-            </a:endParaRPr>
-          </a:p>
-        </p:txBody>
-      </p:sp>
       <p:grpSp>
         <p:nvGrpSpPr>
           <p:cNvPr id="2" name="그룹 19"/>
@@ -6035,14 +5978,14 @@
           <p:nvPr>
             <p:extLst>
               <p:ext uri="{D42A27DB-BD31-4B8C-83A1-F6EECF244321}">
-                <p14:modId xmlns="" xmlns:p14="http://schemas.microsoft.com/office/powerpoint/2010/main" val="1524938934"/>
+                <p14:modId xmlns:p14="http://schemas.microsoft.com/office/powerpoint/2010/main" xmlns="" val="1524938934"/>
               </p:ext>
             </p:extLst>
           </p:nvPr>
         </p:nvGraphicFramePr>
         <p:xfrm>
           <a:off x="214282" y="1142984"/>
-          <a:ext cx="8686800" cy="4922520"/>
+          <a:ext cx="8686800" cy="5008880"/>
         </p:xfrm>
         <a:graphic>
           <a:graphicData uri="http://schemas.openxmlformats.org/drawingml/2006/table">
@@ -6053,7 +5996,8 @@
               <a:tblGrid>
                 <a:gridCol w="1143008"/>
                 <a:gridCol w="2620136"/>
-                <a:gridCol w="4923656"/>
+                <a:gridCol w="2461828"/>
+                <a:gridCol w="2461828"/>
               </a:tblGrid>
               <a:tr h="370840">
                 <a:tc>
@@ -6063,10 +6007,10 @@
                     <a:p>
                       <a:pPr algn="ctr" latinLnBrk="1"/>
                       <a:r>
-                        <a:rPr lang="ko-KR" altLang="en-US" sz="1500" dirty="0" smtClean="0"/>
+                        <a:rPr lang="ko-KR" altLang="en-US" dirty="0" smtClean="0"/>
                         <a:t>내용</a:t>
                       </a:r>
-                      <a:endParaRPr lang="ko-KR" altLang="en-US" sz="1500" dirty="0"/>
+                      <a:endParaRPr lang="ko-KR" altLang="en-US" dirty="0"/>
                     </a:p>
                   </a:txBody>
                   <a:tcPr anchor="ctr">
@@ -6084,10 +6028,18 @@
                     <a:p>
                       <a:pPr algn="ctr" latinLnBrk="1"/>
                       <a:r>
-                        <a:rPr lang="ko-KR" altLang="en-US" sz="1500" dirty="0" smtClean="0"/>
-                        <a:t>최소 범위</a:t>
-                      </a:r>
-                      <a:endParaRPr lang="ko-KR" altLang="en-US" sz="1500" dirty="0"/>
+                        <a:rPr lang="en-US" altLang="ko-KR" dirty="0" smtClean="0"/>
+                        <a:t>1</a:t>
+                      </a:r>
+                      <a:r>
+                        <a:rPr lang="ko-KR" altLang="en-US" dirty="0" err="1" smtClean="0"/>
+                        <a:t>차발표</a:t>
+                      </a:r>
+                      <a:r>
+                        <a:rPr lang="ko-KR" altLang="en-US" dirty="0" smtClean="0"/>
+                        <a:t> 목표 범위</a:t>
+                      </a:r>
+                      <a:endParaRPr lang="ko-KR" altLang="en-US" dirty="0"/>
                     </a:p>
                   </a:txBody>
                   <a:tcPr anchor="ctr">
@@ -6107,8 +6059,31 @@
                         <a:buNone/>
                       </a:pPr>
                       <a:r>
+                        <a:rPr lang="ko-KR" altLang="en-US" dirty="0" smtClean="0"/>
+                        <a:t>실제 개발 완료 범위</a:t>
+                      </a:r>
+                      <a:endParaRPr lang="en-US" altLang="ko-KR" dirty="0" smtClean="0"/>
+                    </a:p>
+                  </a:txBody>
+                  <a:tcPr anchor="ctr">
+                    <a:solidFill>
+                      <a:schemeClr val="accent2">
+                        <a:lumMod val="50000"/>
+                      </a:schemeClr>
+                    </a:solidFill>
+                  </a:tcPr>
+                </a:tc>
+                <a:tc>
+                  <a:txBody>
+                    <a:bodyPr/>
+                    <a:lstStyle/>
+                    <a:p>
+                      <a:pPr marL="342900" indent="-342900" algn="ctr" latinLnBrk="1">
+                        <a:buNone/>
+                      </a:pPr>
+                      <a:r>
                         <a:rPr lang="ko-KR" altLang="en-US" sz="1500" dirty="0" smtClean="0"/>
-                        <a:t>추가 범위</a:t>
+                        <a:t>진척도</a:t>
                       </a:r>
                       <a:endParaRPr lang="en-US" altLang="ko-KR" sz="1500" dirty="0" smtClean="0"/>
                     </a:p>
@@ -6192,26 +6167,46 @@
                     <a:bodyPr/>
                     <a:lstStyle/>
                     <a:p>
+                      <a:pPr algn="ctr" latinLnBrk="1"/>
+                      <a:r>
+                        <a:rPr lang="en-US" altLang="ko-KR" sz="1200" dirty="0" smtClean="0"/>
+                        <a:t>4</a:t>
+                      </a:r>
+                      <a:r>
+                        <a:rPr lang="ko-KR" altLang="en-US" sz="1200" dirty="0" smtClean="0"/>
+                        <a:t>방향</a:t>
+                      </a:r>
+                      <a:endParaRPr lang="en-US" altLang="ko-KR" sz="1200" dirty="0" smtClean="0"/>
+                    </a:p>
+                    <a:p>
+                      <a:pPr algn="ctr" latinLnBrk="1"/>
+                      <a:r>
+                        <a:rPr lang="ko-KR" altLang="en-US" sz="1200" dirty="0" smtClean="0"/>
+                        <a:t>키보드 상화좌우 이동</a:t>
+                      </a:r>
+                      <a:endParaRPr lang="ko-KR" altLang="en-US" sz="1200" dirty="0"/>
+                    </a:p>
+                  </a:txBody>
+                  <a:tcPr anchor="ctr">
+                    <a:solidFill>
+                      <a:schemeClr val="accent2">
+                        <a:lumMod val="60000"/>
+                        <a:lumOff val="40000"/>
+                      </a:schemeClr>
+                    </a:solidFill>
+                  </a:tcPr>
+                </a:tc>
+                <a:tc>
+                  <a:txBody>
+                    <a:bodyPr/>
+                    <a:lstStyle/>
+                    <a:p>
                       <a:pPr marL="342900" indent="-342900" algn="ctr" latinLnBrk="1">
                         <a:buNone/>
                       </a:pPr>
                       <a:r>
-                        <a:rPr lang="ko-KR" altLang="en-US" sz="1200" dirty="0" smtClean="0"/>
-                        <a:t>플레이어</a:t>
-                      </a:r>
-                      <a:r>
-                        <a:rPr lang="ko-KR" altLang="en-US" sz="1200" baseline="0" dirty="0" smtClean="0"/>
-                        <a:t>의 공격 기능 추가</a:t>
-                      </a:r>
-                      <a:endParaRPr lang="en-US" altLang="ko-KR" sz="1200" baseline="0" dirty="0" smtClean="0"/>
-                    </a:p>
-                    <a:p>
-                      <a:pPr marL="342900" indent="-342900" algn="ctr" latinLnBrk="1">
-                        <a:buNone/>
-                      </a:pPr>
-                      <a:r>
-                        <a:rPr lang="ko-KR" altLang="en-US" sz="1200" baseline="0" dirty="0" smtClean="0"/>
-                        <a:t>플레이어 스킬 추가</a:t>
+                        <a:rPr lang="en-US" altLang="ko-KR" sz="1200" dirty="0" smtClean="0"/>
+                        <a:t>100%</a:t>
                       </a:r>
                       <a:endParaRPr lang="ko-KR" altLang="en-US" sz="1200" dirty="0"/>
                     </a:p>
@@ -6250,6 +6245,72 @@
                         <a:t> </a:t>
                       </a:r>
                       <a:endParaRPr lang="ko-KR" altLang="en-US" sz="1400" b="1" dirty="0"/>
+                    </a:p>
+                  </a:txBody>
+                  <a:tcPr anchor="ctr">
+                    <a:solidFill>
+                      <a:schemeClr val="accent2">
+                        <a:lumMod val="60000"/>
+                        <a:lumOff val="40000"/>
+                      </a:schemeClr>
+                    </a:solidFill>
+                  </a:tcPr>
+                </a:tc>
+                <a:tc>
+                  <a:txBody>
+                    <a:bodyPr/>
+                    <a:lstStyle/>
+                    <a:p>
+                      <a:pPr algn="ctr"/>
+                      <a:r>
+                        <a:rPr lang="ko-KR" altLang="en-US" sz="1200" dirty="0" smtClean="0"/>
+                        <a:t>근접</a:t>
+                      </a:r>
+                      <a:r>
+                        <a:rPr lang="en-US" altLang="ko-KR" sz="1200" dirty="0" smtClean="0"/>
+                        <a:t>, </a:t>
+                      </a:r>
+                      <a:r>
+                        <a:rPr lang="ko-KR" altLang="en-US" sz="1200" dirty="0" smtClean="0"/>
+                        <a:t>원거리</a:t>
+                      </a:r>
+                      <a:r>
+                        <a:rPr lang="en-US" altLang="ko-KR" sz="1200" dirty="0" smtClean="0"/>
+                        <a:t>,</a:t>
+                      </a:r>
+                      <a:r>
+                        <a:rPr lang="en-US" altLang="ko-KR" sz="1200" baseline="0" dirty="0" smtClean="0"/>
+                        <a:t> </a:t>
+                      </a:r>
+                      <a:r>
+                        <a:rPr lang="ko-KR" altLang="en-US" sz="1200" baseline="0" dirty="0" smtClean="0"/>
+                        <a:t>마법 공격 </a:t>
+                      </a:r>
+                      <a:endParaRPr lang="en-US" altLang="ko-KR" sz="1200" baseline="0" dirty="0" smtClean="0"/>
+                    </a:p>
+                    <a:p>
+                      <a:pPr algn="ctr"/>
+                      <a:r>
+                        <a:rPr lang="ko-KR" altLang="en-US" sz="1200" baseline="0" dirty="0" smtClean="0"/>
+                        <a:t>구현</a:t>
+                      </a:r>
+                      <a:r>
+                        <a:rPr lang="en-US" altLang="ko-KR" sz="1200" baseline="0" dirty="0" smtClean="0"/>
+                        <a:t>,  </a:t>
+                      </a:r>
+                      <a:r>
+                        <a:rPr lang="ko-KR" altLang="en-US" sz="1200" baseline="0" dirty="0" smtClean="0"/>
+                        <a:t>적 </a:t>
+                      </a:r>
+                      <a:r>
+                        <a:rPr lang="ko-KR" altLang="en-US" sz="1200" baseline="0" dirty="0" err="1" smtClean="0"/>
+                        <a:t>유닛으로</a:t>
+                      </a:r>
+                      <a:r>
+                        <a:rPr lang="ko-KR" altLang="en-US" sz="1200" baseline="0" dirty="0" smtClean="0"/>
+                        <a:t> 이동</a:t>
+                      </a:r>
+                      <a:endParaRPr lang="ko-KR" altLang="en-US" sz="1200" dirty="0"/>
                     </a:p>
                   </a:txBody>
                   <a:tcPr anchor="ctr">
@@ -6350,37 +6411,9 @@
                         <a:defRPr/>
                       </a:pPr>
                       <a:r>
-                        <a:rPr lang="ko-KR" altLang="en-US" sz="1200" baseline="0" dirty="0" smtClean="0"/>
-                        <a:t>좀 더 다양한 방식의 공격을 하는 </a:t>
-                      </a:r>
-                      <a:r>
-                        <a:rPr lang="ko-KR" altLang="en-US" sz="1200" baseline="0" dirty="0" err="1" smtClean="0"/>
-                        <a:t>유닛</a:t>
-                      </a:r>
-                      <a:r>
-                        <a:rPr lang="ko-KR" altLang="en-US" sz="1200" baseline="0" dirty="0" smtClean="0"/>
-                        <a:t> 추가</a:t>
-                      </a:r>
-                      <a:endParaRPr lang="en-US" altLang="ko-KR" sz="1200" baseline="0" dirty="0" smtClean="0"/>
-                    </a:p>
-                    <a:p>
-                      <a:pPr marL="342900" marR="0" indent="-342900" algn="ctr" defTabSz="914400" rtl="0" eaLnBrk="1" fontAlgn="auto" latinLnBrk="1" hangingPunct="1">
-                        <a:lnSpc>
-                          <a:spcPct val="100000"/>
-                        </a:lnSpc>
-                        <a:spcBef>
-                          <a:spcPts val="0"/>
-                        </a:spcBef>
-                        <a:spcAft>
-                          <a:spcPts val="0"/>
-                        </a:spcAft>
-                        <a:buClrTx/>
-                        <a:buSzTx/>
-                        <a:buFontTx/>
-                        <a:buNone/>
-                        <a:tabLst/>
-                        <a:defRPr/>
-                      </a:pPr>
+                        <a:rPr lang="en-US" altLang="ko-KR" sz="1200" baseline="0" dirty="0" smtClean="0"/>
+                        <a:t>100%</a:t>
+                      </a:r>
                       <a:endParaRPr lang="en-US" altLang="ko-KR" sz="1200" baseline="0" dirty="0" smtClean="0"/>
                     </a:p>
                   </a:txBody>
@@ -6476,27 +6509,59 @@
                     <a:bodyPr/>
                     <a:lstStyle/>
                     <a:p>
+                      <a:pPr algn="ctr" latinLnBrk="1"/>
+                      <a:r>
+                        <a:rPr lang="ko-KR" altLang="en-US" sz="1200" dirty="0" smtClean="0"/>
+                        <a:t>근접 공격</a:t>
+                      </a:r>
+                      <a:endParaRPr lang="en-US" altLang="ko-KR" sz="1200" dirty="0" smtClean="0"/>
+                    </a:p>
+                    <a:p>
+                      <a:pPr algn="ctr" latinLnBrk="1"/>
+                      <a:r>
+                        <a:rPr lang="ko-KR" altLang="en-US" sz="1200" dirty="0" smtClean="0"/>
+                        <a:t>플레이어 보다 소환 </a:t>
+                      </a:r>
+                      <a:r>
+                        <a:rPr lang="ko-KR" altLang="en-US" sz="1200" dirty="0" err="1" smtClean="0"/>
+                        <a:t>유닛을</a:t>
+                      </a:r>
+                      <a:r>
+                        <a:rPr lang="ko-KR" altLang="en-US" sz="1200" dirty="0" smtClean="0"/>
+                        <a:t> 먼저</a:t>
+                      </a:r>
+                      <a:endParaRPr lang="en-US" altLang="ko-KR" sz="1200" dirty="0" smtClean="0"/>
+                    </a:p>
+                    <a:p>
+                      <a:pPr algn="ctr" latinLnBrk="1"/>
+                      <a:r>
+                        <a:rPr lang="ko-KR" altLang="en-US" sz="1200" dirty="0" smtClean="0"/>
+                        <a:t>인식 하도록 구현</a:t>
+                      </a:r>
+                      <a:endParaRPr lang="en-US" altLang="ko-KR" sz="1200" dirty="0" smtClean="0"/>
+                    </a:p>
+                  </a:txBody>
+                  <a:tcPr anchor="ctr">
+                    <a:solidFill>
+                      <a:schemeClr val="accent2">
+                        <a:lumMod val="60000"/>
+                        <a:lumOff val="40000"/>
+                      </a:schemeClr>
+                    </a:solidFill>
+                  </a:tcPr>
+                </a:tc>
+                <a:tc>
+                  <a:txBody>
+                    <a:bodyPr/>
+                    <a:lstStyle/>
+                    <a:p>
                       <a:pPr marL="342900" indent="-342900" algn="ctr" latinLnBrk="1">
                         <a:buNone/>
                       </a:pPr>
                       <a:r>
-                        <a:rPr lang="ko-KR" altLang="en-US" sz="1200" baseline="0" dirty="0" smtClean="0"/>
-                        <a:t>원거리</a:t>
-                      </a:r>
-                      <a:r>
                         <a:rPr lang="en-US" altLang="ko-KR" sz="1200" baseline="0" dirty="0" smtClean="0"/>
-                        <a:t>, </a:t>
-                      </a:r>
-                      <a:r>
-                        <a:rPr lang="ko-KR" altLang="en-US" sz="1200" baseline="0" dirty="0" smtClean="0"/>
-                        <a:t>마법 공격 등 추가</a:t>
-                      </a:r>
-                      <a:endParaRPr lang="en-US" altLang="ko-KR" sz="1200" baseline="0" dirty="0" smtClean="0"/>
-                    </a:p>
-                    <a:p>
-                      <a:pPr marL="342900" indent="-342900" algn="ctr" latinLnBrk="1">
-                        <a:buNone/>
-                      </a:pPr>
+                        <a:t>100%</a:t>
+                      </a:r>
                       <a:endParaRPr lang="en-US" altLang="ko-KR" sz="1200" baseline="0" dirty="0" smtClean="0"/>
                     </a:p>
                   </a:txBody>
@@ -6596,20 +6661,70 @@
                     <a:bodyPr/>
                     <a:lstStyle/>
                     <a:p>
+                      <a:pPr algn="ctr" latinLnBrk="1"/>
+                      <a:r>
+                        <a:rPr lang="ko-KR" altLang="en-US" sz="1200" dirty="0" smtClean="0"/>
+                        <a:t>스테이지 </a:t>
+                      </a:r>
+                      <a:r>
+                        <a:rPr lang="en-US" altLang="ko-KR" sz="1200" dirty="0" smtClean="0"/>
+                        <a:t>3</a:t>
+                      </a:r>
+                      <a:r>
+                        <a:rPr lang="ko-KR" altLang="en-US" sz="1200" dirty="0" smtClean="0"/>
+                        <a:t>개</a:t>
+                      </a:r>
+                      <a:endParaRPr lang="en-US" altLang="ko-KR" sz="1200" dirty="0" smtClean="0"/>
+                    </a:p>
+                    <a:p>
+                      <a:pPr algn="ctr" latinLnBrk="1"/>
+                      <a:r>
+                        <a:rPr lang="ko-KR" altLang="en-US" sz="1200" dirty="0" err="1" smtClean="0"/>
+                        <a:t>피니쉬</a:t>
+                      </a:r>
+                      <a:r>
+                        <a:rPr lang="ko-KR" altLang="en-US" sz="1200" dirty="0" smtClean="0"/>
+                        <a:t> 라인 </a:t>
+                      </a:r>
+                      <a:r>
+                        <a:rPr lang="ko-KR" altLang="en-US" sz="1200" dirty="0" err="1" smtClean="0"/>
+                        <a:t>도달시</a:t>
+                      </a:r>
+                      <a:r>
+                        <a:rPr lang="ko-KR" altLang="en-US" sz="1200" dirty="0" smtClean="0"/>
+                        <a:t> 다음 </a:t>
+                      </a:r>
+                      <a:r>
+                        <a:rPr lang="ko-KR" altLang="en-US" sz="1200" dirty="0" err="1" smtClean="0"/>
+                        <a:t>맵으로</a:t>
+                      </a:r>
+                      <a:r>
+                        <a:rPr lang="ko-KR" altLang="en-US" sz="1200" dirty="0" smtClean="0"/>
+                        <a:t> 이동</a:t>
+                      </a:r>
+                      <a:endParaRPr lang="ko-KR" altLang="en-US" sz="1200" dirty="0"/>
+                    </a:p>
+                  </a:txBody>
+                  <a:tcPr anchor="ctr">
+                    <a:solidFill>
+                      <a:schemeClr val="accent2">
+                        <a:lumMod val="60000"/>
+                        <a:lumOff val="40000"/>
+                      </a:schemeClr>
+                    </a:solidFill>
+                  </a:tcPr>
+                </a:tc>
+                <a:tc>
+                  <a:txBody>
+                    <a:bodyPr/>
+                    <a:lstStyle/>
+                    <a:p>
                       <a:pPr marL="342900" indent="-342900" algn="ctr" latinLnBrk="1">
                         <a:buNone/>
                       </a:pPr>
                       <a:r>
-                        <a:rPr lang="ko-KR" altLang="en-US" sz="1200" baseline="0" dirty="0" smtClean="0"/>
-                        <a:t>보스 </a:t>
-                      </a:r>
-                      <a:r>
-                        <a:rPr lang="ko-KR" altLang="en-US" sz="1200" baseline="0" dirty="0" err="1" smtClean="0"/>
-                        <a:t>맵을</a:t>
-                      </a:r>
-                      <a:r>
-                        <a:rPr lang="ko-KR" altLang="en-US" sz="1200" baseline="0" dirty="0" smtClean="0"/>
-                        <a:t> 따로 구현</a:t>
+                        <a:rPr lang="en-US" altLang="ko-KR" sz="1200" baseline="0" dirty="0" smtClean="0"/>
+                        <a:t>100%</a:t>
                       </a:r>
                       <a:endParaRPr lang="en-US" altLang="ko-KR" sz="1200" baseline="0" dirty="0" smtClean="0"/>
                     </a:p>
@@ -6674,20 +6789,34 @@
                     <a:bodyPr/>
                     <a:lstStyle/>
                     <a:p>
+                      <a:pPr algn="ctr" latinLnBrk="1"/>
+                      <a:r>
+                        <a:rPr lang="ko-KR" altLang="en-US" sz="1200" dirty="0" smtClean="0"/>
+                        <a:t>체력 및 공격력 증가</a:t>
+                      </a:r>
+                      <a:endParaRPr lang="ko-KR" altLang="en-US" sz="1200" dirty="0"/>
+                    </a:p>
+                  </a:txBody>
+                  <a:tcPr anchor="ctr">
+                    <a:solidFill>
+                      <a:schemeClr val="accent2">
+                        <a:lumMod val="60000"/>
+                        <a:lumOff val="40000"/>
+                      </a:schemeClr>
+                    </a:solidFill>
+                  </a:tcPr>
+                </a:tc>
+                <a:tc>
+                  <a:txBody>
+                    <a:bodyPr/>
+                    <a:lstStyle/>
+                    <a:p>
                       <a:pPr marL="342900" indent="-342900" algn="ctr" latinLnBrk="1">
                         <a:buNone/>
                       </a:pPr>
                       <a:r>
-                        <a:rPr lang="ko-KR" altLang="en-US" sz="1200" baseline="0" dirty="0" smtClean="0"/>
-                        <a:t>난이도 </a:t>
-                      </a:r>
-                      <a:r>
-                        <a:rPr lang="ko-KR" altLang="en-US" sz="1200" baseline="0" dirty="0" err="1" smtClean="0"/>
-                        <a:t>증가시</a:t>
-                      </a:r>
-                      <a:r>
-                        <a:rPr lang="ko-KR" altLang="en-US" sz="1200" baseline="0" dirty="0" smtClean="0"/>
-                        <a:t> 공격 방식 달라지도록 구현</a:t>
+                        <a:rPr lang="en-US" altLang="ko-KR" sz="1200" baseline="0" dirty="0" smtClean="0"/>
+                        <a:t>100%</a:t>
                       </a:r>
                       <a:endParaRPr lang="en-US" altLang="ko-KR" sz="1200" baseline="0" dirty="0" smtClean="0"/>
                     </a:p>
@@ -6773,7 +6902,11 @@
                       </a:r>
                       <a:r>
                         <a:rPr lang="ko-KR" altLang="en-US" sz="1200" dirty="0" smtClean="0"/>
-                        <a:t> 구매</a:t>
+                        <a:t> </a:t>
+                      </a:r>
+                      <a:r>
+                        <a:rPr lang="ko-KR" altLang="en-US" sz="1200" dirty="0" smtClean="0"/>
+                        <a:t>관련 구매</a:t>
                       </a:r>
                       <a:endParaRPr lang="en-US" altLang="ko-KR" sz="1200" dirty="0" smtClean="0"/>
                     </a:p>
@@ -6796,44 +6929,66 @@
                     <a:bodyPr/>
                     <a:lstStyle/>
                     <a:p>
+                      <a:pPr algn="ctr" latinLnBrk="1"/>
+                      <a:r>
+                        <a:rPr lang="ko-KR" altLang="en-US" sz="1200" dirty="0" smtClean="0"/>
+                        <a:t>적 </a:t>
+                      </a:r>
+                      <a:r>
+                        <a:rPr lang="ko-KR" altLang="en-US" sz="1200" dirty="0" err="1" smtClean="0"/>
+                        <a:t>제거시</a:t>
+                      </a:r>
+                      <a:r>
+                        <a:rPr lang="ko-KR" altLang="en-US" sz="1200" dirty="0" smtClean="0"/>
+                        <a:t> 금전 및 점수 획득</a:t>
+                      </a:r>
+                      <a:endParaRPr lang="en-US" altLang="ko-KR" sz="1200" dirty="0" smtClean="0"/>
+                    </a:p>
+                    <a:p>
+                      <a:pPr algn="ctr" latinLnBrk="1"/>
+                      <a:r>
+                        <a:rPr lang="ko-KR" altLang="en-US" sz="1200" dirty="0" smtClean="0"/>
+                        <a:t>플레이어 및 객체 체력감소</a:t>
+                      </a:r>
+                      <a:endParaRPr lang="en-US" altLang="ko-KR" sz="1200" dirty="0" smtClean="0"/>
+                    </a:p>
+                    <a:p>
+                      <a:pPr algn="ctr" latinLnBrk="1"/>
+                      <a:r>
+                        <a:rPr lang="ko-KR" altLang="en-US" sz="1200" dirty="0" smtClean="0"/>
+                        <a:t>상점에서 </a:t>
+                      </a:r>
+                      <a:r>
+                        <a:rPr lang="ko-KR" altLang="en-US" sz="1200" dirty="0" err="1" smtClean="0"/>
+                        <a:t>유닛</a:t>
+                      </a:r>
+                      <a:r>
+                        <a:rPr lang="ko-KR" altLang="en-US" sz="1200" dirty="0" smtClean="0"/>
+                        <a:t> 관련 구매</a:t>
+                      </a:r>
+                      <a:endParaRPr lang="en-US" altLang="ko-KR" sz="1200" dirty="0" smtClean="0"/>
+                    </a:p>
+                  </a:txBody>
+                  <a:tcPr anchor="ctr">
+                    <a:solidFill>
+                      <a:schemeClr val="accent2">
+                        <a:lumMod val="60000"/>
+                        <a:lumOff val="40000"/>
+                      </a:schemeClr>
+                    </a:solidFill>
+                  </a:tcPr>
+                </a:tc>
+                <a:tc>
+                  <a:txBody>
+                    <a:bodyPr/>
+                    <a:lstStyle/>
+                    <a:p>
                       <a:pPr marL="342900" indent="-342900" algn="ctr" latinLnBrk="1">
                         <a:buNone/>
                       </a:pPr>
                       <a:r>
-                        <a:rPr lang="ko-KR" altLang="en-US" sz="1200" baseline="0" dirty="0" err="1" smtClean="0"/>
-                        <a:t>유닛</a:t>
-                      </a:r>
-                      <a:r>
-                        <a:rPr lang="ko-KR" altLang="en-US" sz="1200" baseline="0" dirty="0" smtClean="0"/>
-                        <a:t> 업그레이드</a:t>
-                      </a:r>
-                      <a:endParaRPr lang="en-US" altLang="ko-KR" sz="1200" baseline="0" dirty="0" smtClean="0"/>
-                    </a:p>
-                    <a:p>
-                      <a:pPr marL="342900" indent="-342900" algn="ctr" latinLnBrk="1">
-                        <a:buNone/>
-                      </a:pPr>
-                      <a:r>
-                        <a:rPr lang="ko-KR" altLang="en-US" sz="1200" baseline="0" dirty="0" smtClean="0"/>
-                        <a:t>플레이어 객체 </a:t>
-                      </a:r>
-                      <a:r>
-                        <a:rPr lang="ko-KR" altLang="en-US" sz="1200" baseline="0" dirty="0" err="1" smtClean="0"/>
-                        <a:t>스킬북</a:t>
-                      </a:r>
-                      <a:r>
-                        <a:rPr lang="ko-KR" altLang="en-US" sz="1200" baseline="0" dirty="0" smtClean="0"/>
-                        <a:t> 생성</a:t>
-                      </a:r>
-                      <a:endParaRPr lang="en-US" altLang="ko-KR" sz="1200" baseline="0" dirty="0" smtClean="0"/>
-                    </a:p>
-                    <a:p>
-                      <a:pPr marL="342900" indent="-342900" algn="ctr" latinLnBrk="1">
-                        <a:buNone/>
-                      </a:pPr>
-                      <a:r>
-                        <a:rPr lang="ko-KR" altLang="en-US" sz="1200" baseline="0" dirty="0" smtClean="0"/>
-                        <a:t>플레이어 아이템 생성</a:t>
+                        <a:rPr lang="en-US" altLang="ko-KR" sz="1200" baseline="0" dirty="0" smtClean="0"/>
+                        <a:t>100%</a:t>
                       </a:r>
                       <a:endParaRPr lang="en-US" altLang="ko-KR" sz="1200" baseline="0" dirty="0" smtClean="0"/>
                     </a:p>
@@ -6871,7 +7026,7 @@
                     </a:solidFill>
                   </a:tcPr>
                 </a:tc>
-                <a:tc gridSpan="2">
+                <a:tc>
                   <a:txBody>
                     <a:bodyPr/>
                     <a:lstStyle/>
@@ -6913,14 +7068,60 @@
                     </a:solidFill>
                   </a:tcPr>
                 </a:tc>
-                <a:tc hMerge="1">
+                <a:tc>
                   <a:txBody>
                     <a:bodyPr/>
                     <a:lstStyle/>
                     <a:p>
+                      <a:pPr algn="ctr" latinLnBrk="1"/>
+                      <a:r>
+                        <a:rPr lang="ko-KR" altLang="en-US" sz="1200" dirty="0" smtClean="0"/>
+                        <a:t>아군 및 적군 타격</a:t>
+                      </a:r>
+                      <a:r>
+                        <a:rPr lang="ko-KR" altLang="en-US" sz="1200" baseline="0" dirty="0" smtClean="0"/>
+                        <a:t> 소리</a:t>
+                      </a:r>
+                      <a:endParaRPr lang="en-US" altLang="ko-KR" sz="1200" baseline="0" dirty="0" smtClean="0"/>
+                    </a:p>
+                    <a:p>
+                      <a:pPr algn="ctr" latinLnBrk="1"/>
+                      <a:r>
+                        <a:rPr lang="ko-KR" altLang="en-US" sz="1200" dirty="0" smtClean="0"/>
+                        <a:t>배경 음악</a:t>
+                      </a:r>
+                      <a:endParaRPr lang="en-US" altLang="ko-KR" sz="1200" dirty="0" smtClean="0"/>
+                    </a:p>
+                    <a:p>
+                      <a:pPr algn="ctr" latinLnBrk="1"/>
+                      <a:r>
+                        <a:rPr lang="ko-KR" altLang="en-US" sz="1200" dirty="0" smtClean="0"/>
+                        <a:t>시작 화면 음악</a:t>
+                      </a:r>
+                      <a:endParaRPr lang="ko-KR" altLang="en-US" sz="1200" dirty="0"/>
+                    </a:p>
+                  </a:txBody>
+                  <a:tcPr anchor="ctr">
+                    <a:solidFill>
+                      <a:schemeClr val="accent2">
+                        <a:lumMod val="60000"/>
+                        <a:lumOff val="40000"/>
+                      </a:schemeClr>
+                    </a:solidFill>
+                  </a:tcPr>
+                </a:tc>
+                <a:tc>
+                  <a:txBody>
+                    <a:bodyPr/>
+                    <a:lstStyle/>
+                    <a:p>
                       <a:pPr marL="342900" indent="-342900" algn="ctr" latinLnBrk="1">
-                        <a:buAutoNum type="arabicPeriod"/>
+                        <a:buNone/>
                       </a:pPr>
+                      <a:r>
+                        <a:rPr lang="en-US" altLang="ko-KR" sz="1500" dirty="0" smtClean="0"/>
+                        <a:t>100%</a:t>
+                      </a:r>
                       <a:endParaRPr lang="ko-KR" altLang="en-US" sz="1500" dirty="0"/>
                     </a:p>
                   </a:txBody>
@@ -6957,7 +7158,7 @@
                     </a:solidFill>
                   </a:tcPr>
                 </a:tc>
-                <a:tc gridSpan="2">
+                <a:tc>
                   <a:txBody>
                     <a:bodyPr/>
                     <a:lstStyle/>
@@ -7011,12 +7212,70 @@
                     </a:solidFill>
                   </a:tcPr>
                 </a:tc>
-                <a:tc hMerge="1">
+                <a:tc>
                   <a:txBody>
                     <a:bodyPr/>
                     <a:lstStyle/>
                     <a:p>
                       <a:pPr algn="ctr" latinLnBrk="1"/>
+                      <a:r>
+                        <a:rPr lang="ko-KR" altLang="en-US" sz="1200" dirty="0" smtClean="0"/>
+                        <a:t>각 객체 이동</a:t>
+                      </a:r>
+                      <a:r>
+                        <a:rPr lang="en-US" altLang="ko-KR" sz="1200" dirty="0" smtClean="0"/>
+                        <a:t>, </a:t>
+                      </a:r>
+                      <a:r>
+                        <a:rPr lang="ko-KR" altLang="en-US" sz="1200" dirty="0" smtClean="0"/>
+                        <a:t>근접 공격</a:t>
+                      </a:r>
+                      <a:r>
+                        <a:rPr lang="en-US" altLang="ko-KR" sz="1200" dirty="0" smtClean="0"/>
+                        <a:t>, </a:t>
+                      </a:r>
+                      <a:r>
+                        <a:rPr lang="ko-KR" altLang="en-US" sz="1200" dirty="0" smtClean="0"/>
+                        <a:t>원거리 공격</a:t>
+                      </a:r>
+                      <a:r>
+                        <a:rPr lang="en-US" altLang="ko-KR" sz="1200" dirty="0" smtClean="0"/>
+                        <a:t>, </a:t>
+                      </a:r>
+                      <a:r>
+                        <a:rPr lang="ko-KR" altLang="en-US" sz="1200" dirty="0" smtClean="0"/>
+                        <a:t>마법 공격</a:t>
+                      </a:r>
+                      <a:r>
+                        <a:rPr lang="en-US" altLang="ko-KR" sz="1200" baseline="0" dirty="0" smtClean="0"/>
+                        <a:t> </a:t>
+                      </a:r>
+                      <a:r>
+                        <a:rPr lang="ko-KR" altLang="en-US" sz="1200" baseline="0" dirty="0" smtClean="0"/>
+                        <a:t>등</a:t>
+                      </a:r>
+                      <a:endParaRPr lang="ko-KR" altLang="en-US" sz="1200" dirty="0"/>
+                    </a:p>
+                  </a:txBody>
+                  <a:tcPr anchor="ctr">
+                    <a:solidFill>
+                      <a:schemeClr val="accent2">
+                        <a:lumMod val="60000"/>
+                        <a:lumOff val="40000"/>
+                      </a:schemeClr>
+                    </a:solidFill>
+                  </a:tcPr>
+                </a:tc>
+                <a:tc>
+                  <a:txBody>
+                    <a:bodyPr/>
+                    <a:lstStyle/>
+                    <a:p>
+                      <a:pPr algn="ctr" latinLnBrk="1"/>
+                      <a:r>
+                        <a:rPr lang="en-US" altLang="ko-KR" sz="1500" smtClean="0"/>
+                        <a:t>100%</a:t>
+                      </a:r>
                       <a:endParaRPr lang="ko-KR" altLang="en-US" sz="1500" dirty="0"/>
                     </a:p>
                   </a:txBody>
@@ -7816,7 +8075,7 @@
           <p:nvPr>
             <p:extLst>
               <p:ext uri="{D42A27DB-BD31-4B8C-83A1-F6EECF244321}">
-                <p14:modId xmlns="" xmlns:p14="http://schemas.microsoft.com/office/powerpoint/2010/main" val="1524938934"/>
+                <p14:modId xmlns:p14="http://schemas.microsoft.com/office/powerpoint/2010/main" xmlns="" val="1524938934"/>
               </p:ext>
             </p:extLst>
           </p:nvPr>
@@ -10310,7 +10569,7 @@
           <p:nvPr>
             <p:extLst>
               <p:ext uri="{D42A27DB-BD31-4B8C-83A1-F6EECF244321}">
-                <p14:modId xmlns="" xmlns:p14="http://schemas.microsoft.com/office/powerpoint/2010/main" val="136084941"/>
+                <p14:modId xmlns:p14="http://schemas.microsoft.com/office/powerpoint/2010/main" xmlns="" val="136084941"/>
               </p:ext>
             </p:extLst>
           </p:nvPr>
